--- a/遵主話語.pptx
+++ b/遵主話語.pptx
@@ -292,7 +292,8 @@
           <a:p>
             <a:fld id="{F185F908-887A-4AEE-BFD9-9976FDBBC50D}" type="datetimeFigureOut">
               <a:rPr lang="vi-VN" smtClean="0"/>
-              <a:t>28/06/2022</a:t>
+              <a:pPr/>
+              <a:t>10/07/2022</a:t>
             </a:fld>
             <a:endParaRPr lang="vi-VN"/>
           </a:p>
@@ -334,6 +335,7 @@
           <a:p>
             <a:fld id="{A41E2614-F0D6-4380-A9B7-656E33306825}" type="slidenum">
               <a:rPr lang="vi-VN" smtClean="0"/>
+              <a:pPr/>
               <a:t>‹#›</a:t>
             </a:fld>
             <a:endParaRPr lang="vi-VN"/>
@@ -343,7 +345,7 @@
     </p:spTree>
     <p:extLst>
       <p:ext uri="{BB962C8B-B14F-4D97-AF65-F5344CB8AC3E}">
-        <p14:creationId xmlns:p14="http://schemas.microsoft.com/office/powerpoint/2010/main" val="3405854904"/>
+        <p14:creationId xmlns:p14="http://schemas.microsoft.com/office/powerpoint/2010/main" xmlns="" val="3405854904"/>
       </p:ext>
     </p:extLst>
   </p:cSld>
@@ -462,7 +464,8 @@
           <a:p>
             <a:fld id="{F185F908-887A-4AEE-BFD9-9976FDBBC50D}" type="datetimeFigureOut">
               <a:rPr lang="vi-VN" smtClean="0"/>
-              <a:t>28/06/2022</a:t>
+              <a:pPr/>
+              <a:t>10/07/2022</a:t>
             </a:fld>
             <a:endParaRPr lang="vi-VN"/>
           </a:p>
@@ -504,6 +507,7 @@
           <a:p>
             <a:fld id="{A41E2614-F0D6-4380-A9B7-656E33306825}" type="slidenum">
               <a:rPr lang="vi-VN" smtClean="0"/>
+              <a:pPr/>
               <a:t>‹#›</a:t>
             </a:fld>
             <a:endParaRPr lang="vi-VN"/>
@@ -513,7 +517,7 @@
     </p:spTree>
     <p:extLst>
       <p:ext uri="{BB962C8B-B14F-4D97-AF65-F5344CB8AC3E}">
-        <p14:creationId xmlns:p14="http://schemas.microsoft.com/office/powerpoint/2010/main" val="2047492608"/>
+        <p14:creationId xmlns:p14="http://schemas.microsoft.com/office/powerpoint/2010/main" xmlns="" val="2047492608"/>
       </p:ext>
     </p:extLst>
   </p:cSld>
@@ -642,7 +646,8 @@
           <a:p>
             <a:fld id="{F185F908-887A-4AEE-BFD9-9976FDBBC50D}" type="datetimeFigureOut">
               <a:rPr lang="vi-VN" smtClean="0"/>
-              <a:t>28/06/2022</a:t>
+              <a:pPr/>
+              <a:t>10/07/2022</a:t>
             </a:fld>
             <a:endParaRPr lang="vi-VN"/>
           </a:p>
@@ -684,6 +689,7 @@
           <a:p>
             <a:fld id="{A41E2614-F0D6-4380-A9B7-656E33306825}" type="slidenum">
               <a:rPr lang="vi-VN" smtClean="0"/>
+              <a:pPr/>
               <a:t>‹#›</a:t>
             </a:fld>
             <a:endParaRPr lang="vi-VN"/>
@@ -693,7 +699,7 @@
     </p:spTree>
     <p:extLst>
       <p:ext uri="{BB962C8B-B14F-4D97-AF65-F5344CB8AC3E}">
-        <p14:creationId xmlns:p14="http://schemas.microsoft.com/office/powerpoint/2010/main" val="690817297"/>
+        <p14:creationId xmlns:p14="http://schemas.microsoft.com/office/powerpoint/2010/main" xmlns="" val="690817297"/>
       </p:ext>
     </p:extLst>
   </p:cSld>
@@ -812,7 +818,8 @@
           <a:p>
             <a:fld id="{F185F908-887A-4AEE-BFD9-9976FDBBC50D}" type="datetimeFigureOut">
               <a:rPr lang="vi-VN" smtClean="0"/>
-              <a:t>28/06/2022</a:t>
+              <a:pPr/>
+              <a:t>10/07/2022</a:t>
             </a:fld>
             <a:endParaRPr lang="vi-VN"/>
           </a:p>
@@ -854,6 +861,7 @@
           <a:p>
             <a:fld id="{A41E2614-F0D6-4380-A9B7-656E33306825}" type="slidenum">
               <a:rPr lang="vi-VN" smtClean="0"/>
+              <a:pPr/>
               <a:t>‹#›</a:t>
             </a:fld>
             <a:endParaRPr lang="vi-VN"/>
@@ -863,7 +871,7 @@
     </p:spTree>
     <p:extLst>
       <p:ext uri="{BB962C8B-B14F-4D97-AF65-F5344CB8AC3E}">
-        <p14:creationId xmlns:p14="http://schemas.microsoft.com/office/powerpoint/2010/main" val="726121035"/>
+        <p14:creationId xmlns:p14="http://schemas.microsoft.com/office/powerpoint/2010/main" xmlns="" val="726121035"/>
       </p:ext>
     </p:extLst>
   </p:cSld>
@@ -1058,7 +1066,8 @@
           <a:p>
             <a:fld id="{F185F908-887A-4AEE-BFD9-9976FDBBC50D}" type="datetimeFigureOut">
               <a:rPr lang="vi-VN" smtClean="0"/>
-              <a:t>28/06/2022</a:t>
+              <a:pPr/>
+              <a:t>10/07/2022</a:t>
             </a:fld>
             <a:endParaRPr lang="vi-VN"/>
           </a:p>
@@ -1100,6 +1109,7 @@
           <a:p>
             <a:fld id="{A41E2614-F0D6-4380-A9B7-656E33306825}" type="slidenum">
               <a:rPr lang="vi-VN" smtClean="0"/>
+              <a:pPr/>
               <a:t>‹#›</a:t>
             </a:fld>
             <a:endParaRPr lang="vi-VN"/>
@@ -1109,7 +1119,7 @@
     </p:spTree>
     <p:extLst>
       <p:ext uri="{BB962C8B-B14F-4D97-AF65-F5344CB8AC3E}">
-        <p14:creationId xmlns:p14="http://schemas.microsoft.com/office/powerpoint/2010/main" val="2919427705"/>
+        <p14:creationId xmlns:p14="http://schemas.microsoft.com/office/powerpoint/2010/main" xmlns="" val="2919427705"/>
       </p:ext>
     </p:extLst>
   </p:cSld>
@@ -1346,7 +1356,8 @@
           <a:p>
             <a:fld id="{F185F908-887A-4AEE-BFD9-9976FDBBC50D}" type="datetimeFigureOut">
               <a:rPr lang="vi-VN" smtClean="0"/>
-              <a:t>28/06/2022</a:t>
+              <a:pPr/>
+              <a:t>10/07/2022</a:t>
             </a:fld>
             <a:endParaRPr lang="vi-VN"/>
           </a:p>
@@ -1388,6 +1399,7 @@
           <a:p>
             <a:fld id="{A41E2614-F0D6-4380-A9B7-656E33306825}" type="slidenum">
               <a:rPr lang="vi-VN" smtClean="0"/>
+              <a:pPr/>
               <a:t>‹#›</a:t>
             </a:fld>
             <a:endParaRPr lang="vi-VN"/>
@@ -1397,7 +1409,7 @@
     </p:spTree>
     <p:extLst>
       <p:ext uri="{BB962C8B-B14F-4D97-AF65-F5344CB8AC3E}">
-        <p14:creationId xmlns:p14="http://schemas.microsoft.com/office/powerpoint/2010/main" val="2865263721"/>
+        <p14:creationId xmlns:p14="http://schemas.microsoft.com/office/powerpoint/2010/main" xmlns="" val="2865263721"/>
       </p:ext>
     </p:extLst>
   </p:cSld>
@@ -1768,7 +1780,8 @@
           <a:p>
             <a:fld id="{F185F908-887A-4AEE-BFD9-9976FDBBC50D}" type="datetimeFigureOut">
               <a:rPr lang="vi-VN" smtClean="0"/>
-              <a:t>28/06/2022</a:t>
+              <a:pPr/>
+              <a:t>10/07/2022</a:t>
             </a:fld>
             <a:endParaRPr lang="vi-VN"/>
           </a:p>
@@ -1810,6 +1823,7 @@
           <a:p>
             <a:fld id="{A41E2614-F0D6-4380-A9B7-656E33306825}" type="slidenum">
               <a:rPr lang="vi-VN" smtClean="0"/>
+              <a:pPr/>
               <a:t>‹#›</a:t>
             </a:fld>
             <a:endParaRPr lang="vi-VN"/>
@@ -1819,7 +1833,7 @@
     </p:spTree>
     <p:extLst>
       <p:ext uri="{BB962C8B-B14F-4D97-AF65-F5344CB8AC3E}">
-        <p14:creationId xmlns:p14="http://schemas.microsoft.com/office/powerpoint/2010/main" val="2379886456"/>
+        <p14:creationId xmlns:p14="http://schemas.microsoft.com/office/powerpoint/2010/main" xmlns="" val="2379886456"/>
       </p:ext>
     </p:extLst>
   </p:cSld>
@@ -1886,7 +1900,8 @@
           <a:p>
             <a:fld id="{F185F908-887A-4AEE-BFD9-9976FDBBC50D}" type="datetimeFigureOut">
               <a:rPr lang="vi-VN" smtClean="0"/>
-              <a:t>28/06/2022</a:t>
+              <a:pPr/>
+              <a:t>10/07/2022</a:t>
             </a:fld>
             <a:endParaRPr lang="vi-VN"/>
           </a:p>
@@ -1928,6 +1943,7 @@
           <a:p>
             <a:fld id="{A41E2614-F0D6-4380-A9B7-656E33306825}" type="slidenum">
               <a:rPr lang="vi-VN" smtClean="0"/>
+              <a:pPr/>
               <a:t>‹#›</a:t>
             </a:fld>
             <a:endParaRPr lang="vi-VN"/>
@@ -1937,7 +1953,7 @@
     </p:spTree>
     <p:extLst>
       <p:ext uri="{BB962C8B-B14F-4D97-AF65-F5344CB8AC3E}">
-        <p14:creationId xmlns:p14="http://schemas.microsoft.com/office/powerpoint/2010/main" val="514609899"/>
+        <p14:creationId xmlns:p14="http://schemas.microsoft.com/office/powerpoint/2010/main" xmlns="" val="514609899"/>
       </p:ext>
     </p:extLst>
   </p:cSld>
@@ -1981,7 +1997,8 @@
           <a:p>
             <a:fld id="{F185F908-887A-4AEE-BFD9-9976FDBBC50D}" type="datetimeFigureOut">
               <a:rPr lang="vi-VN" smtClean="0"/>
-              <a:t>28/06/2022</a:t>
+              <a:pPr/>
+              <a:t>10/07/2022</a:t>
             </a:fld>
             <a:endParaRPr lang="vi-VN"/>
           </a:p>
@@ -2023,6 +2040,7 @@
           <a:p>
             <a:fld id="{A41E2614-F0D6-4380-A9B7-656E33306825}" type="slidenum">
               <a:rPr lang="vi-VN" smtClean="0"/>
+              <a:pPr/>
               <a:t>‹#›</a:t>
             </a:fld>
             <a:endParaRPr lang="vi-VN"/>
@@ -2032,7 +2050,7 @@
     </p:spTree>
     <p:extLst>
       <p:ext uri="{BB962C8B-B14F-4D97-AF65-F5344CB8AC3E}">
-        <p14:creationId xmlns:p14="http://schemas.microsoft.com/office/powerpoint/2010/main" val="2647051491"/>
+        <p14:creationId xmlns:p14="http://schemas.microsoft.com/office/powerpoint/2010/main" xmlns="" val="2647051491"/>
       </p:ext>
     </p:extLst>
   </p:cSld>
@@ -2258,7 +2276,8 @@
           <a:p>
             <a:fld id="{F185F908-887A-4AEE-BFD9-9976FDBBC50D}" type="datetimeFigureOut">
               <a:rPr lang="vi-VN" smtClean="0"/>
-              <a:t>28/06/2022</a:t>
+              <a:pPr/>
+              <a:t>10/07/2022</a:t>
             </a:fld>
             <a:endParaRPr lang="vi-VN"/>
           </a:p>
@@ -2300,6 +2319,7 @@
           <a:p>
             <a:fld id="{A41E2614-F0D6-4380-A9B7-656E33306825}" type="slidenum">
               <a:rPr lang="vi-VN" smtClean="0"/>
+              <a:pPr/>
               <a:t>‹#›</a:t>
             </a:fld>
             <a:endParaRPr lang="vi-VN"/>
@@ -2309,7 +2329,7 @@
     </p:spTree>
     <p:extLst>
       <p:ext uri="{BB962C8B-B14F-4D97-AF65-F5344CB8AC3E}">
-        <p14:creationId xmlns:p14="http://schemas.microsoft.com/office/powerpoint/2010/main" val="2013455805"/>
+        <p14:creationId xmlns:p14="http://schemas.microsoft.com/office/powerpoint/2010/main" xmlns="" val="2013455805"/>
       </p:ext>
     </p:extLst>
   </p:cSld>
@@ -2515,7 +2535,8 @@
           <a:p>
             <a:fld id="{F185F908-887A-4AEE-BFD9-9976FDBBC50D}" type="datetimeFigureOut">
               <a:rPr lang="vi-VN" smtClean="0"/>
-              <a:t>28/06/2022</a:t>
+              <a:pPr/>
+              <a:t>10/07/2022</a:t>
             </a:fld>
             <a:endParaRPr lang="vi-VN"/>
           </a:p>
@@ -2557,6 +2578,7 @@
           <a:p>
             <a:fld id="{A41E2614-F0D6-4380-A9B7-656E33306825}" type="slidenum">
               <a:rPr lang="vi-VN" smtClean="0"/>
+              <a:pPr/>
               <a:t>‹#›</a:t>
             </a:fld>
             <a:endParaRPr lang="vi-VN"/>
@@ -2566,7 +2588,7 @@
     </p:spTree>
     <p:extLst>
       <p:ext uri="{BB962C8B-B14F-4D97-AF65-F5344CB8AC3E}">
-        <p14:creationId xmlns:p14="http://schemas.microsoft.com/office/powerpoint/2010/main" val="2666630345"/>
+        <p14:creationId xmlns:p14="http://schemas.microsoft.com/office/powerpoint/2010/main" xmlns="" val="2666630345"/>
       </p:ext>
     </p:extLst>
   </p:cSld>
@@ -2733,7 +2755,8 @@
           <a:p>
             <a:fld id="{F185F908-887A-4AEE-BFD9-9976FDBBC50D}" type="datetimeFigureOut">
               <a:rPr lang="vi-VN" smtClean="0"/>
-              <a:t>28/06/2022</a:t>
+              <a:pPr/>
+              <a:t>10/07/2022</a:t>
             </a:fld>
             <a:endParaRPr lang="vi-VN"/>
           </a:p>
@@ -2811,6 +2834,7 @@
           <a:p>
             <a:fld id="{A41E2614-F0D6-4380-A9B7-656E33306825}" type="slidenum">
               <a:rPr lang="vi-VN" smtClean="0"/>
+              <a:pPr/>
               <a:t>‹#›</a:t>
             </a:fld>
             <a:endParaRPr lang="vi-VN"/>
@@ -2820,7 +2844,7 @@
     </p:spTree>
     <p:extLst>
       <p:ext uri="{BB962C8B-B14F-4D97-AF65-F5344CB8AC3E}">
-        <p14:creationId xmlns:p14="http://schemas.microsoft.com/office/powerpoint/2010/main" val="2288840781"/>
+        <p14:creationId xmlns:p14="http://schemas.microsoft.com/office/powerpoint/2010/main" xmlns="" val="2288840781"/>
       </p:ext>
     </p:extLst>
   </p:cSld>
@@ -3167,13 +3191,20 @@
     </p:spTree>
     <p:extLst>
       <p:ext uri="{BB962C8B-B14F-4D97-AF65-F5344CB8AC3E}">
-        <p14:creationId xmlns:p14="http://schemas.microsoft.com/office/powerpoint/2010/main" val="444880364"/>
+        <p14:creationId xmlns:p14="http://schemas.microsoft.com/office/powerpoint/2010/main" xmlns="" val="444880364"/>
       </p:ext>
     </p:extLst>
   </p:cSld>
   <p:clrMapOvr>
     <a:masterClrMapping/>
   </p:clrMapOvr>
+  <p:timing>
+    <p:tnLst>
+      <p:par>
+        <p:cTn id="1" dur="indefinite" restart="never" nodeType="tmRoot"/>
+      </p:par>
+    </p:tnLst>
+  </p:timing>
 </p:sld>
 </file>
 
@@ -3227,7 +3258,27 @@
                 <a:latin typeface="微軟正黑體" pitchFamily="34" charset="-120"/>
                 <a:ea typeface="微軟正黑體" pitchFamily="34" charset="-120"/>
               </a:rPr>
-              <a:t>讓每一天開始</a:t>
+              <a:t>讓</a:t>
+            </a:r>
+            <a:r>
+              <a:rPr lang="zh-CN" altLang="en-US" sz="6400" b="1" smtClean="0">
+                <a:solidFill>
+                  <a:srgbClr val="660033"/>
+                </a:solidFill>
+                <a:latin typeface="微軟正黑體" pitchFamily="34" charset="-120"/>
+                <a:ea typeface="微軟正黑體" pitchFamily="34" charset="-120"/>
+              </a:rPr>
+              <a:t>每</a:t>
+            </a:r>
+            <a:r>
+              <a:rPr lang="zh-CN" altLang="en-US" sz="6400" b="1" smtClean="0">
+                <a:solidFill>
+                  <a:srgbClr val="660033"/>
+                </a:solidFill>
+                <a:latin typeface="微軟正黑體" pitchFamily="34" charset="-120"/>
+                <a:ea typeface="微軟正黑體" pitchFamily="34" charset="-120"/>
+              </a:rPr>
+              <a:t>一天的開始</a:t>
             </a:r>
             <a:endParaRPr lang="en-US" altLang="zh-CN" sz="6400" b="1" dirty="0" smtClean="0">
               <a:solidFill>
@@ -3274,13 +3325,20 @@
     </p:spTree>
     <p:extLst>
       <p:ext uri="{BB962C8B-B14F-4D97-AF65-F5344CB8AC3E}">
-        <p14:creationId xmlns:p14="http://schemas.microsoft.com/office/powerpoint/2010/main" val="2165134064"/>
+        <p14:creationId xmlns:p14="http://schemas.microsoft.com/office/powerpoint/2010/main" xmlns="" val="2165134064"/>
       </p:ext>
     </p:extLst>
   </p:cSld>
   <p:clrMapOvr>
     <a:masterClrMapping/>
   </p:clrMapOvr>
+  <p:timing>
+    <p:tnLst>
+      <p:par>
+        <p:cTn id="1" dur="indefinite" restart="never" nodeType="tmRoot"/>
+      </p:par>
+    </p:tnLst>
+  </p:timing>
 </p:sld>
 </file>
 
@@ -3391,13 +3449,20 @@
     </p:spTree>
     <p:extLst>
       <p:ext uri="{BB962C8B-B14F-4D97-AF65-F5344CB8AC3E}">
-        <p14:creationId xmlns:p14="http://schemas.microsoft.com/office/powerpoint/2010/main" val="919756198"/>
+        <p14:creationId xmlns:p14="http://schemas.microsoft.com/office/powerpoint/2010/main" xmlns="" val="919756198"/>
       </p:ext>
     </p:extLst>
   </p:cSld>
   <p:clrMapOvr>
     <a:masterClrMapping/>
   </p:clrMapOvr>
+  <p:timing>
+    <p:tnLst>
+      <p:par>
+        <p:cTn id="1" dur="indefinite" restart="never" nodeType="tmRoot"/>
+      </p:par>
+    </p:tnLst>
+  </p:timing>
 </p:sld>
 </file>
 
@@ -3488,13 +3553,20 @@
     </p:spTree>
     <p:extLst>
       <p:ext uri="{BB962C8B-B14F-4D97-AF65-F5344CB8AC3E}">
-        <p14:creationId xmlns:p14="http://schemas.microsoft.com/office/powerpoint/2010/main" val="1077254823"/>
+        <p14:creationId xmlns:p14="http://schemas.microsoft.com/office/powerpoint/2010/main" xmlns="" val="1077254823"/>
       </p:ext>
     </p:extLst>
   </p:cSld>
   <p:clrMapOvr>
     <a:masterClrMapping/>
   </p:clrMapOvr>
+  <p:timing>
+    <p:tnLst>
+      <p:par>
+        <p:cTn id="1" dur="indefinite" restart="never" nodeType="tmRoot"/>
+      </p:par>
+    </p:tnLst>
+  </p:timing>
 </p:sld>
 </file>
 
@@ -3573,13 +3645,20 @@
     </p:spTree>
     <p:extLst>
       <p:ext uri="{BB962C8B-B14F-4D97-AF65-F5344CB8AC3E}">
-        <p14:creationId xmlns:p14="http://schemas.microsoft.com/office/powerpoint/2010/main" val="3765522382"/>
+        <p14:creationId xmlns:p14="http://schemas.microsoft.com/office/powerpoint/2010/main" xmlns="" val="3765522382"/>
       </p:ext>
     </p:extLst>
   </p:cSld>
   <p:clrMapOvr>
     <a:masterClrMapping/>
   </p:clrMapOvr>
+  <p:timing>
+    <p:tnLst>
+      <p:par>
+        <p:cTn id="1" dur="indefinite" restart="never" nodeType="tmRoot"/>
+      </p:par>
+    </p:tnLst>
+  </p:timing>
 </p:sld>
 </file>
 
@@ -3865,7 +3944,7 @@
   <a:extraClrSchemeLst/>
   <a:extLst>
     <a:ext uri="{05A4C25C-085E-4340-85A3-A5531E510DB2}">
-      <thm15:themeFamily xmlns:thm15="http://schemas.microsoft.com/office/thememl/2012/main" name="Theme1" id="{4DE8FE50-4117-462D-9201-EDB57F086D9C}" vid="{AFF313EB-5300-4EDF-B8E8-B08305447E9E}"/>
+      <thm15:themeFamily xmlns:thm15="http://schemas.microsoft.com/office/thememl/2012/main" xmlns="" name="Theme1" id="{4DE8FE50-4117-462D-9201-EDB57F086D9C}" vid="{AFF313EB-5300-4EDF-B8E8-B08305447E9E}"/>
     </a:ext>
   </a:extLst>
 </a:theme>
